--- a/Slide/Incontro_03.pptx
+++ b/Slide/Incontro_03.pptx
@@ -1117,8 +1117,8 @@
           <a:chExt cx="0" cy="0"/>
         </a:xfrm>
       </p:grpSpPr>
-      <mc:AlternateContent xmlns:mc="http://schemas.openxmlformats.org/markup-compatibility/2006">
-        <mc:Choice xmlns:a14="http://schemas.microsoft.com/office/drawing/2010/main" Requires="a14">
+      <mc:AlternateContent xmlns:mc="http://schemas.openxmlformats.org/markup-compatibility/2006" xmlns:a14="http://schemas.microsoft.com/office/drawing/2010/main">
+        <mc:Choice Requires="a14">
           <p:sp>
             <p:nvSpPr>
               <p:cNvPr id="3" name="CasellaDiTesto 2">
@@ -1278,7 +1278,7 @@
             </p:txBody>
           </p:sp>
         </mc:Choice>
-        <mc:Fallback>
+        <mc:Fallback xmlns="">
           <p:sp>
             <p:nvSpPr>
               <p:cNvPr id="3" name="CasellaDiTesto 2">
@@ -1445,8 +1445,8 @@
           </a:p>
         </p:txBody>
       </p:sp>
-      <mc:AlternateContent xmlns:mc="http://schemas.openxmlformats.org/markup-compatibility/2006">
-        <mc:Choice xmlns:a14="http://schemas.microsoft.com/office/drawing/2010/main" Requires="a14">
+      <mc:AlternateContent xmlns:mc="http://schemas.openxmlformats.org/markup-compatibility/2006" xmlns:a14="http://schemas.microsoft.com/office/drawing/2010/main">
+        <mc:Choice Requires="a14">
           <p:sp>
             <p:nvSpPr>
               <p:cNvPr id="9" name="CasellaDiTesto 8">
@@ -1596,15 +1596,15 @@
                     <m:f>
                       <m:fPr>
                         <m:ctrlPr>
-                          <a:rPr lang="en-US" sz="2400" dirty="0">
-                            <a:latin typeface="Söhne"/>
+                          <a:rPr lang="en-US" sz="2400" i="1" dirty="0">
+                            <a:latin typeface="Cambria Math" panose="02040503050406030204" pitchFamily="18" charset="0"/>
                           </a:rPr>
                         </m:ctrlPr>
                       </m:fPr>
                       <m:num>
                         <m:r>
                           <a:rPr lang="en-US" sz="2400" dirty="0">
-                            <a:latin typeface="Söhne"/>
+                            <a:latin typeface="Cambria Math" panose="02040503050406030204" pitchFamily="18" charset="0"/>
                           </a:rPr>
                           <m:t>𝑛</m:t>
                         </m:r>
@@ -1612,7 +1612,7 @@
                       <m:den>
                         <m:r>
                           <a:rPr lang="en-US" sz="2400" dirty="0">
-                            <a:latin typeface="Söhne"/>
+                            <a:latin typeface="Cambria Math" panose="02040503050406030204" pitchFamily="18" charset="0"/>
                           </a:rPr>
                           <m:t>𝑏</m:t>
                         </m:r>
@@ -1620,7 +1620,7 @@
                     </m:f>
                     <m:r>
                       <a:rPr lang="en-US" sz="2400" dirty="0">
-                        <a:latin typeface="Söhne"/>
+                        <a:latin typeface="Cambria Math" panose="02040503050406030204" pitchFamily="18" charset="0"/>
                       </a:rPr>
                       <m:t> </m:t>
                     </m:r>
@@ -1691,7 +1691,7 @@
             </p:txBody>
           </p:sp>
         </mc:Choice>
-        <mc:Fallback>
+        <mc:Fallback xmlns="">
           <p:sp>
             <p:nvSpPr>
               <p:cNvPr id="9" name="CasellaDiTesto 8">
@@ -1802,8 +1802,8 @@
           </a:p>
         </p:txBody>
       </p:sp>
-      <mc:AlternateContent xmlns:mc="http://schemas.openxmlformats.org/markup-compatibility/2006">
-        <mc:Choice xmlns:a14="http://schemas.microsoft.com/office/drawing/2010/main" Requires="a14">
+      <mc:AlternateContent xmlns:mc="http://schemas.openxmlformats.org/markup-compatibility/2006" xmlns:a14="http://schemas.microsoft.com/office/drawing/2010/main">
+        <mc:Choice Requires="a14">
           <p:sp>
             <p:nvSpPr>
               <p:cNvPr id="9" name="CasellaDiTesto 8">
@@ -1943,15 +1943,15 @@
                     <m:f>
                       <m:fPr>
                         <m:ctrlPr>
-                          <a:rPr lang="en-US" sz="2400" dirty="0">
-                            <a:latin typeface="Söhne"/>
+                          <a:rPr lang="en-US" sz="2400" i="1" dirty="0">
+                            <a:latin typeface="Cambria Math" panose="02040503050406030204" pitchFamily="18" charset="0"/>
                           </a:rPr>
                         </m:ctrlPr>
                       </m:fPr>
                       <m:num>
                         <m:r>
                           <a:rPr lang="en-US" sz="2400" dirty="0">
-                            <a:latin typeface="Söhne"/>
+                            <a:latin typeface="Cambria Math" panose="02040503050406030204" pitchFamily="18" charset="0"/>
                           </a:rPr>
                           <m:t>𝑛</m:t>
                         </m:r>
@@ -1959,7 +1959,7 @@
                       <m:den>
                         <m:r>
                           <a:rPr lang="en-US" sz="2400" dirty="0">
-                            <a:latin typeface="Söhne"/>
+                            <a:latin typeface="Cambria Math" panose="02040503050406030204" pitchFamily="18" charset="0"/>
                           </a:rPr>
                           <m:t>𝑏</m:t>
                         </m:r>
@@ -1967,7 +1967,7 @@
                     </m:f>
                     <m:r>
                       <a:rPr lang="en-US" sz="2400" dirty="0">
-                        <a:latin typeface="Söhne"/>
+                        <a:latin typeface="Cambria Math" panose="02040503050406030204" pitchFamily="18" charset="0"/>
                       </a:rPr>
                       <m:t> </m:t>
                     </m:r>
@@ -2038,7 +2038,7 @@
             </p:txBody>
           </p:sp>
         </mc:Choice>
-        <mc:Fallback>
+        <mc:Fallback xmlns="">
           <p:sp>
             <p:nvSpPr>
               <p:cNvPr id="9" name="CasellaDiTesto 8">
@@ -2083,8 +2083,8 @@
           </p:sp>
         </mc:Fallback>
       </mc:AlternateContent>
-      <mc:AlternateContent xmlns:mc="http://schemas.openxmlformats.org/markup-compatibility/2006">
-        <mc:Choice xmlns:a14="http://schemas.microsoft.com/office/drawing/2010/main" Requires="a14">
+      <mc:AlternateContent xmlns:mc="http://schemas.openxmlformats.org/markup-compatibility/2006" xmlns:a14="http://schemas.microsoft.com/office/drawing/2010/main">
+        <mc:Choice Requires="a14">
           <p:sp>
             <p:nvSpPr>
               <p:cNvPr id="2" name="CasellaDiTesto 1">
@@ -2113,6 +2113,7 @@
               </a:bodyPr>
               <a:lstStyle/>
               <a:p>
+                <a:pPr/>
                 <a14:m>
                   <m:oMathPara xmlns:m="http://schemas.openxmlformats.org/officeDocument/2006/math">
                     <m:oMathParaPr>
@@ -2121,7 +2122,7 @@
                     <m:oMath xmlns:m="http://schemas.openxmlformats.org/officeDocument/2006/math">
                       <m:r>
                         <a:rPr lang="en-US" sz="2400" b="0" i="1" smtClean="0">
-                          <a:latin typeface="Söhne"/>
+                          <a:latin typeface="Cambria Math" panose="02040503050406030204" pitchFamily="18" charset="0"/>
                         </a:rPr>
                         <m:t>𝑇</m:t>
                       </m:r>
@@ -2132,14 +2133,14 @@
                               <a:solidFill>
                                 <a:srgbClr val="836967"/>
                               </a:solidFill>
-                              <a:latin typeface="Söhne"/>
+                              <a:latin typeface="Cambria Math" panose="02040503050406030204" pitchFamily="18" charset="0"/>
                             </a:rPr>
                           </m:ctrlPr>
                         </m:dPr>
                         <m:e>
                           <m:r>
                             <a:rPr lang="en-US" sz="2400" b="0" i="1">
-                              <a:latin typeface="Söhne"/>
+                              <a:latin typeface="Cambria Math" panose="02040503050406030204" pitchFamily="18" charset="0"/>
                             </a:rPr>
                             <m:t>𝑛</m:t>
                           </m:r>
@@ -2147,7 +2148,7 @@
                       </m:d>
                       <m:r>
                         <a:rPr lang="en-US" sz="2400" b="0" i="0">
-                          <a:latin typeface="Söhne"/>
+                          <a:latin typeface="Cambria Math" panose="02040503050406030204" pitchFamily="18" charset="0"/>
                         </a:rPr>
                         <m:t>=</m:t>
                       </m:r>
@@ -2160,7 +2161,7 @@
                               <a:solidFill>
                                 <a:srgbClr val="836967"/>
                               </a:solidFill>
-                              <a:latin typeface="Söhne"/>
+                              <a:latin typeface="Cambria Math" panose="02040503050406030204" pitchFamily="18" charset="0"/>
                             </a:rPr>
                           </m:ctrlPr>
                         </m:dPr>
@@ -2181,7 +2182,7 @@
                                   <a:solidFill>
                                     <a:srgbClr val="836967"/>
                                   </a:solidFill>
-                                  <a:latin typeface="Söhne"/>
+                                  <a:latin typeface="Cambria Math" panose="02040503050406030204" pitchFamily="18" charset="0"/>
                                 </a:rPr>
                               </m:ctrlPr>
                             </m:mPr>
@@ -2192,7 +2193,7 @@
                                     <a:solidFill>
                                       <a:schemeClr val="tx1"/>
                                     </a:solidFill>
-                                    <a:latin typeface="Söhne"/>
+                                    <a:latin typeface="Cambria Math" panose="02040503050406030204" pitchFamily="18" charset="0"/>
                                   </a:rPr>
                                   <m:t>𝑎𝑇</m:t>
                                 </m:r>
@@ -2203,7 +2204,7 @@
                                         <a:solidFill>
                                           <a:srgbClr val="836967"/>
                                         </a:solidFill>
-                                        <a:latin typeface="Söhne"/>
+                                        <a:latin typeface="Cambria Math" panose="02040503050406030204" pitchFamily="18" charset="0"/>
                                       </a:rPr>
                                     </m:ctrlPr>
                                   </m:dPr>
@@ -2215,14 +2216,14 @@
                                             <a:solidFill>
                                               <a:srgbClr val="836967"/>
                                             </a:solidFill>
-                                            <a:latin typeface="Söhne"/>
+                                            <a:latin typeface="Cambria Math" panose="02040503050406030204" pitchFamily="18" charset="0"/>
                                           </a:rPr>
                                         </m:ctrlPr>
                                       </m:fPr>
                                       <m:num>
                                         <m:r>
                                           <a:rPr lang="en-US" sz="2400" b="0" i="1">
-                                            <a:latin typeface="Söhne"/>
+                                            <a:latin typeface="Cambria Math" panose="02040503050406030204" pitchFamily="18" charset="0"/>
                                           </a:rPr>
                                           <m:t>𝑛</m:t>
                                         </m:r>
@@ -2230,7 +2231,7 @@
                                       <m:den>
                                         <m:r>
                                           <a:rPr lang="en-US" sz="2400" b="0" i="1">
-                                            <a:latin typeface="Söhne"/>
+                                            <a:latin typeface="Cambria Math" panose="02040503050406030204" pitchFamily="18" charset="0"/>
                                           </a:rPr>
                                           <m:t>𝑏</m:t>
                                         </m:r>
@@ -2240,13 +2241,13 @@
                                 </m:d>
                                 <m:r>
                                   <a:rPr lang="en-US" sz="2400" b="0" i="0">
-                                    <a:latin typeface="Söhne"/>
+                                    <a:latin typeface="Cambria Math" panose="02040503050406030204" pitchFamily="18" charset="0"/>
                                   </a:rPr>
                                   <m:t>+</m:t>
                                 </m:r>
                                 <m:r>
                                   <a:rPr lang="en-US" sz="2400" b="0" i="1">
-                                    <a:latin typeface="Söhne"/>
+                                    <a:latin typeface="Cambria Math" panose="02040503050406030204" pitchFamily="18" charset="0"/>
                                   </a:rPr>
                                   <m:t>𝑓</m:t>
                                 </m:r>
@@ -2257,14 +2258,14 @@
                                         <a:solidFill>
                                           <a:srgbClr val="836967"/>
                                         </a:solidFill>
-                                        <a:latin typeface="Söhne"/>
+                                        <a:latin typeface="Cambria Math" panose="02040503050406030204" pitchFamily="18" charset="0"/>
                                       </a:rPr>
                                     </m:ctrlPr>
                                   </m:dPr>
                                   <m:e>
                                     <m:r>
                                       <a:rPr lang="en-US" sz="2400" b="0" i="1">
-                                        <a:latin typeface="Söhne"/>
+                                        <a:latin typeface="Cambria Math" panose="02040503050406030204" pitchFamily="18" charset="0"/>
                                       </a:rPr>
                                       <m:t>𝑛</m:t>
                                     </m:r>
@@ -2278,13 +2279,13 @@
                                 </m:r>
                                 <m:r>
                                   <a:rPr lang="en-US" sz="2400" b="0" i="1">
-                                    <a:latin typeface="Söhne"/>
+                                    <a:latin typeface="Cambria Math" panose="02040503050406030204" pitchFamily="18" charset="0"/>
                                   </a:rPr>
                                   <m:t>𝑛</m:t>
                                 </m:r>
                                 <m:r>
                                   <a:rPr lang="en-US" sz="2400" b="0" i="0">
-                                    <a:latin typeface="Söhne"/>
+                                    <a:latin typeface="Cambria Math" panose="02040503050406030204" pitchFamily="18" charset="0"/>
                                   </a:rPr>
                                   <m:t>&gt;1</m:t>
                                 </m:r>
@@ -2294,7 +2295,7 @@
                               <m:e>
                                 <m:r>
                                   <a:rPr lang="en-US" sz="2400" b="0" i="1">
-                                    <a:latin typeface="Söhne"/>
+                                    <a:latin typeface="Cambria Math" panose="02040503050406030204" pitchFamily="18" charset="0"/>
                                   </a:rPr>
                                   <m:t>𝜃</m:t>
                                 </m:r>
@@ -2305,14 +2306,14 @@
                                         <a:solidFill>
                                           <a:srgbClr val="836967"/>
                                         </a:solidFill>
-                                        <a:latin typeface="Söhne"/>
+                                        <a:latin typeface="Cambria Math" panose="02040503050406030204" pitchFamily="18" charset="0"/>
                                       </a:rPr>
                                     </m:ctrlPr>
                                   </m:dPr>
                                   <m:e>
                                     <m:r>
                                       <a:rPr lang="en-US" sz="2400" b="0" i="0">
-                                        <a:latin typeface="Söhne"/>
+                                        <a:latin typeface="Cambria Math" panose="02040503050406030204" pitchFamily="18" charset="0"/>
                                       </a:rPr>
                                       <m:t>1</m:t>
                                     </m:r>
@@ -2326,13 +2327,13 @@
                                 </m:r>
                                 <m:r>
                                   <a:rPr lang="en-US" sz="2400" b="0" i="1">
-                                    <a:latin typeface="Söhne"/>
+                                    <a:latin typeface="Cambria Math" panose="02040503050406030204" pitchFamily="18" charset="0"/>
                                   </a:rPr>
                                   <m:t>𝑛</m:t>
                                 </m:r>
                                 <m:r>
                                   <a:rPr lang="en-US" sz="2400" b="0" i="0">
-                                    <a:latin typeface="Söhne"/>
+                                    <a:latin typeface="Cambria Math" panose="02040503050406030204" pitchFamily="18" charset="0"/>
                                   </a:rPr>
                                   <m:t>=1</m:t>
                                 </m:r>
@@ -2351,7 +2352,7 @@
             </p:txBody>
           </p:sp>
         </mc:Choice>
-        <mc:Fallback>
+        <mc:Fallback xmlns="">
           <p:sp>
             <p:nvSpPr>
               <p:cNvPr id="2" name="CasellaDiTesto 1">
@@ -2462,8 +2463,8 @@
           </a:p>
         </p:txBody>
       </p:sp>
-      <mc:AlternateContent xmlns:mc="http://schemas.openxmlformats.org/markup-compatibility/2006">
-        <mc:Choice xmlns:a14="http://schemas.microsoft.com/office/drawing/2010/main" Requires="a14">
+      <mc:AlternateContent xmlns:mc="http://schemas.openxmlformats.org/markup-compatibility/2006" xmlns:a14="http://schemas.microsoft.com/office/drawing/2010/main">
+        <mc:Choice Requires="a14">
           <p:sp>
             <p:nvSpPr>
               <p:cNvPr id="2" name="CasellaDiTesto 1">
@@ -2492,6 +2493,7 @@
               </a:bodyPr>
               <a:lstStyle/>
               <a:p>
+                <a:pPr/>
                 <a14:m>
                   <m:oMathPara xmlns:m="http://schemas.openxmlformats.org/officeDocument/2006/math">
                     <m:oMathParaPr>
@@ -2500,7 +2502,7 @@
                     <m:oMath xmlns:m="http://schemas.openxmlformats.org/officeDocument/2006/math">
                       <m:r>
                         <a:rPr lang="en-US" sz="2400" b="0" i="1" smtClean="0">
-                          <a:latin typeface="Söhne"/>
+                          <a:latin typeface="Cambria Math" panose="02040503050406030204" pitchFamily="18" charset="0"/>
                         </a:rPr>
                         <m:t>𝑇</m:t>
                       </m:r>
@@ -2511,14 +2513,14 @@
                               <a:solidFill>
                                 <a:srgbClr val="836967"/>
                               </a:solidFill>
-                              <a:latin typeface="Söhne"/>
+                              <a:latin typeface="Cambria Math" panose="02040503050406030204" pitchFamily="18" charset="0"/>
                             </a:rPr>
                           </m:ctrlPr>
                         </m:dPr>
                         <m:e>
                           <m:r>
                             <a:rPr lang="en-US" sz="2400" b="0" i="1">
-                              <a:latin typeface="Söhne"/>
+                              <a:latin typeface="Cambria Math" panose="02040503050406030204" pitchFamily="18" charset="0"/>
                             </a:rPr>
                             <m:t>𝑛</m:t>
                           </m:r>
@@ -2526,7 +2528,7 @@
                       </m:d>
                       <m:r>
                         <a:rPr lang="en-US" sz="2400" b="0" i="0">
-                          <a:latin typeface="Söhne"/>
+                          <a:latin typeface="Cambria Math" panose="02040503050406030204" pitchFamily="18" charset="0"/>
                         </a:rPr>
                         <m:t>=</m:t>
                       </m:r>
@@ -2539,7 +2541,7 @@
                               <a:solidFill>
                                 <a:srgbClr val="836967"/>
                               </a:solidFill>
-                              <a:latin typeface="Söhne"/>
+                              <a:latin typeface="Cambria Math" panose="02040503050406030204" pitchFamily="18" charset="0"/>
                             </a:rPr>
                           </m:ctrlPr>
                         </m:dPr>
@@ -2560,7 +2562,7 @@
                                   <a:solidFill>
                                     <a:srgbClr val="836967"/>
                                   </a:solidFill>
-                                  <a:latin typeface="Söhne"/>
+                                  <a:latin typeface="Cambria Math" panose="02040503050406030204" pitchFamily="18" charset="0"/>
                                 </a:rPr>
                               </m:ctrlPr>
                             </m:mPr>
@@ -2571,7 +2573,7 @@
                                     <a:solidFill>
                                       <a:schemeClr val="tx1"/>
                                     </a:solidFill>
-                                    <a:latin typeface="Söhne"/>
+                                    <a:latin typeface="Cambria Math" panose="02040503050406030204" pitchFamily="18" charset="0"/>
                                   </a:rPr>
                                   <m:t>𝑎𝑇</m:t>
                                 </m:r>
@@ -2582,7 +2584,7 @@
                                         <a:solidFill>
                                           <a:srgbClr val="836967"/>
                                         </a:solidFill>
-                                        <a:latin typeface="Söhne"/>
+                                        <a:latin typeface="Cambria Math" panose="02040503050406030204" pitchFamily="18" charset="0"/>
                                       </a:rPr>
                                     </m:ctrlPr>
                                   </m:dPr>
@@ -2594,14 +2596,14 @@
                                             <a:solidFill>
                                               <a:srgbClr val="836967"/>
                                             </a:solidFill>
-                                            <a:latin typeface="Söhne"/>
+                                            <a:latin typeface="Cambria Math" panose="02040503050406030204" pitchFamily="18" charset="0"/>
                                           </a:rPr>
                                         </m:ctrlPr>
                                       </m:fPr>
                                       <m:num>
                                         <m:r>
                                           <a:rPr lang="en-US" sz="2400" b="0" i="1">
-                                            <a:latin typeface="Söhne"/>
+                                            <a:latin typeface="Cambria Math" panose="02040503050406030204" pitchFamily="18" charset="0"/>
                                           </a:rPr>
                                           <m:t>𝑛</m:t>
                                         </m:r>
@@ -2609,7 +2611,7 @@
                                       <m:den>
                                         <m:r>
                                           <a:rPr lang="en-US" sz="2400" b="0" i="1">
-                                            <a:latin typeface="Söhne"/>
+                                            <a:latin typeface="Cambria Math" panose="02040503050406030204" pitchFamily="18" charset="0"/>
                                           </a:rPr>
                                           <m:t>𝑏</m:t>
                                         </m:r>
@@ -2619,13 +2621,13 @@
                                 </m:d>
                                 <m:r>
                                   <a:rPr lang="en-US" sz="2400" b="0" i="0">
-                                    <a:latin typeface="Söhne"/>
+                                    <a:latin typeface="Cambria Math" panose="02040503050406030204" pitchFamily="18" charset="0"/>
                                   </a:rPr>
                                   <m:t>+</m:t>
                                 </m:r>
                                 <m:r>
                                   <a:rPr lang="en-US" sz="2400" b="0" i="1">
-                                    <a:latin typeface="Söhne"/>
+                                    <a:latin typeface="Cambria Math" panose="02040503050406030204" pitchFamily="18" charset="0"/>
                                   </a:rPr>
                                   <m:t>𝑓</m:t>
                                 </m:r>
@@ -2636,14 +2638,14 @@
                                         <a:solidFill>
                                           <a:srgbClr val="836967"/>
                                         </a:solidFill>
-                                        <a:latin typeface="Söhne"/>
+                                        <a:latin typeface="Cambria Math" panose="02040503050406030204" pitchFamily="18" charset="0"/>
                                       </a:rPr>
                                     </m:ctrlPr>
                                   </m:dPr>
                                   <m:e>
                                     <m:r>
                                       <a:rPr lang="en-US" sz="2400" b="0" i="1">
-                                        <a:latin typeface="Söhne"/>
+                                        <a:latin typeface="Cambria Math" panose="02040503050406030204" pitchFamily="18" charset="0"/>
                                       </a:rPr>
                                       <m:t>𝑛</m:t>
                                     </m:r>
@@ -2657,13 +2659,13 @@
                                 </m:r>
                                 <m:r>
                                   <a:rPr lang="en-US" sz="2400" b="0" i="1">
-                                    <a:latin typeface="Söhne"/>
+                                    <a:latin typeface="Cambria Math" panose="02040503050406030204" pitchFamily="18" charset="0"/>
                                   </a:rPr>
                                   <m:t>𝑛</m:t>
                                 </m:r>
                                 <m:r>
                                   <a:rPr lang="en-US" sz="2400" b="0" i="0">
-                                    <a:latin typeface="Söhne"/>
+                                    <a:latin typeface="Cambria Math" panose="02040503050406030204" pitchFamily="18" charset="0"/>
                                   </a:rPr>
                                   <m:t>&gt;1</m:t>
                                 </m:r>
@@ -2673,7 +2675,7 @@
                               <m:e>
                                 <m:r>
                                   <a:rPr lang="en-US" sz="2400" b="0" i="1">
-                                    <a:latin typeface="Söhne"/>
+                                    <a:latin typeface="Cambria Math" panose="02040503050406030204" pitchFamily="18" charset="0"/>
                                   </a:rPr>
                                   <m:t>𝜃</m:t>
                                 </m:r>
@@ -2684,14 +2686,14 @@
                                         <a:solidFill>
                                           <a:srgbClr val="836967"/>
                                         </a:solidFill>
-                                        <a:latin typeface="Söhne"/>
+                                        <a:latin typeface="Cambria Math" panose="02040503050406030204" pitchFamily="18" charset="0"/>
                                       </a:rPr>
                                     </m:ctrlPr>
                                   </m:dPr>
                                   <m:e>
                                     <m:r>
                                       <a:rPr lang="en-US" sz="2400" b="0" i="0">
-                                        <a:latin typeface="Söhne"/>
+                                        <a:latin typeface="Cambria Math" panose="02040503050406030204" pitchFamily="18" charset="0"/>
                                       </a:rPr>
                                       <m:t>1</m:t>
                                     </m:r>
@@ -2705,13 +2707,13 @@
                                 </m:r>
                                 <m:r>
                                   <a:rPr lang="en-US" sz="2400" b="0" i="1">
-                                    <a:latin typeface="Söhne"/>
+                                    <a:latin typeface="Cambria Math" panose="02040503050406030204" pitchFamily="18" charset="0"/>
                                   </a:rPr>
                                   <m:t>𝑛</m:t>
                                 </m:r>
                                 <m:r>
                                   <a:rPr lang="en-US" sz="2400" b="0" i="0">
-                                    <a:latin typeface="Söhne"/>
+                                    <a:latin typeface="Cambria Math" panose="02040503050406030204" pitchFamily="18" charset="0"/>
                                   </a:rPr>
                                   <m:t>=1</m:t>
                                 </m:r>
@@ -2730,7 +2732,7 @@
             </p:txBody>
           </p:sp>
         </mc:Choice>
-        <mc:Fallback>
+        <mc:Fallback xmlns="">
           <p:sp>
             <p:nvSpPr>
               <p:cNvPr id="2" name="CasellaDiTesto 1">
@@ -2775,8 +2777,8 @@
           </p:sp>
         </mc:Fallback>
       </mc:AlternateContent>
-      <mc:AlternateContent xmlns:mc="http://schemas.openxmlformats.org/markup-compatibility/2006">
-        <mc:Choice xmlns:a14="http://schemas.microsoft.com/office/drawing/2010/main" Requires="a14">
+      <mc:AlternateContent xmlns:mc="http://schemas.openxmlformats.org/markup-compatibility/2006" xmlns:a14="http://schemas.microsoft.com/office/drawing/2010/main">
+        <mc:Choice Requires="a14">
           <p:sp>
             <p:nvSpPr>
               <p:cNvPr id="4" name="CasellaDiTesto 3">
@@ -3699,7 +3701,7 @@
             </p:txBody>
           </p:sp>
         </mc:Choice>
-        <mc:Fallback>
+        <mc:Fallback xmlns="">
           <p:sp>
             <p:nvSpPr>
               <p:cNvPr id="4" name="CasellaDiTesto 3">
@@ -3864,8 +3866,8 @@
           <a:chExt cx="0" cy="0"/>
         </a:xfrm>
       </p:grpSpPr>
-      <mc:AlternateContent xmlns:mc="http://schemas.openxmlformats.org/markup-compatibility/2006">
-        <mc:Choice xmlns:a14="http://schemas.microsoft.com/office/drawing/2010/main" Requires="a14">
+      <mc:AlternateContent xmlns:mc="http://schemas.openxmlformats.org/markup-compatibility/2006" xmlns:a14="http://schemas.microsoft.com/office/drawing/2010/main">
+        <mc:Choice Requires="a14">
           <p:sp>
             <p:nvSpPr>
               <p:cNvPr id="5" name="CasellaDiTesto 4">
@@ -5161,7 +5163,7 @@
                     <m:f>
                       <m:fPr>
                         <m:ctrlPr>
-                          <a:rPr lang="it-IT" i="0" smtClean="0">
+                          <a:rPr lang="it-IT" i="1" smtClean="0">
                             <a:solidFill>
                               <a:srgbClr val="836967"/>
                             </a:solidFill>
@@ -5358,7 +5360,7 @@
             </p:txBody>
           </p:sp>
         </mc:Choice>
-        <mc:Fallback>
+        <mc:Fallback xmlns="">
           <p:sp>
             <p:nvSpPr>
               <p:cNvPr id="5" name="CasellaDiTesto 4">
@@ -5436,6 +5438,42 @@
               <a:t>Cosa significano i casi?</a:t>
             </a:r>
             <a:endParaRPr lang="en-US" sz="2000" b="1" i="1" dirty="0"/>
+          </a:p>
+        </p:txBody>
+      </p:sp>
+      <p:sp>
+        <p:nvSpPr>
+          <p:cNvPr id="2" name="CasellaDiTesto 1">
+            <a:extLst>
+              <a:ext uri="{FF2B5EF4-FFF2-40B4-BE49-F238E27FC236}">
+                <a16:creationId xmlns:a16="http://schemas.microsoft.com/office/drawing/2014/main" id="{49E06AEB-F651-DCF2-6895-A0D711B55FEF}"/>
+              </a:ext>
+            </a:extLst>
+          </p:cNvPr>
+          <p:cNvSpPr txBox="1"/>
+          <p:nvPr/>
+        </p:nvSpPr>
+        <p:spPr>
+          <a:xfrm>
+            <a:off x="10206990" y="7383780"/>
+            <a:ext cx="4194810" cy="646331"/>
+          </a:xfrm>
+          <a:prstGeom prst="rect">
+            <a:avLst/>
+          </a:prstGeom>
+          <a:noFill/>
+        </p:spPr>
+        <p:txBody>
+          <a:bodyPr wrap="square" rtlCol="0">
+            <a:spAutoFit/>
+          </a:bodyPr>
+          <a:lstStyle/>
+          <a:p>
+            <a:r>
+              <a:rPr lang="it-IT" dirty="0"/>
+              <a:t>Esercizi presentati alla lavagna, cercare su teams le foto</a:t>
+            </a:r>
+            <a:endParaRPr lang="en-US" dirty="0"/>
           </a:p>
         </p:txBody>
       </p:sp>
